--- a/ppt.pptx
+++ b/ppt.pptx
@@ -1965,7 +1965,7 @@
           <a:p>
             <a:fld id="{77CA0979-F579-4E9B-A675-1F5ABBFF00DB}" type="datetimeFigureOut">
               <a:rPr lang="en-US" dirty="0"/>
-              <a:t>1/5/2025</a:t>
+              <a:t>1/9/2025</a:t>
             </a:fld>
             <a:endParaRPr lang="en-US"/>
           </a:p>
@@ -2193,7 +2193,7 @@
           <a:p>
             <a:fld id="{F7E76D0F-5A12-4D0A-80B0-1A6122B61E7B}" type="datetimeFigureOut">
               <a:rPr lang="en-US" dirty="0"/>
-              <a:t>1/5/2025</a:t>
+              <a:t>1/9/2025</a:t>
             </a:fld>
             <a:endParaRPr lang="en-US"/>
           </a:p>
@@ -2405,7 +2405,7 @@
           <a:p>
             <a:fld id="{8B9E8C84-89CA-44AB-B0BE-5C91BAF75478}" type="datetimeFigureOut">
               <a:rPr lang="en-US" dirty="0"/>
-              <a:t>1/5/2025</a:t>
+              <a:t>1/9/2025</a:t>
             </a:fld>
             <a:endParaRPr lang="en-US"/>
           </a:p>
@@ -2607,7 +2607,7 @@
           <a:p>
             <a:fld id="{73E7156E-175E-4DBA-9D21-B772C320F342}" type="datetimeFigureOut">
               <a:rPr lang="en-US" dirty="0"/>
-              <a:t>1/5/2025</a:t>
+              <a:t>1/9/2025</a:t>
             </a:fld>
             <a:endParaRPr lang="en-US"/>
           </a:p>
@@ -2888,7 +2888,7 @@
           <a:p>
             <a:fld id="{04895F6E-3D02-4292-95D1-C62B3126321B}" type="datetimeFigureOut">
               <a:rPr lang="en-US" dirty="0"/>
-              <a:t>1/5/2025</a:t>
+              <a:t>1/9/2025</a:t>
             </a:fld>
             <a:endParaRPr lang="en-US"/>
           </a:p>
@@ -3162,7 +3162,7 @@
           <a:p>
             <a:fld id="{EDCB5ACB-D10C-44A8-9570-124370F4CB38}" type="datetimeFigureOut">
               <a:rPr lang="en-US" dirty="0"/>
-              <a:t>1/5/2025</a:t>
+              <a:t>1/9/2025</a:t>
             </a:fld>
             <a:endParaRPr lang="en-US"/>
           </a:p>
@@ -3588,7 +3588,7 @@
           <a:p>
             <a:fld id="{AB8D84F4-0E7A-4BDE-98C6-AE68FB974645}" type="datetimeFigureOut">
               <a:rPr lang="en-US" dirty="0"/>
-              <a:t>1/5/2025</a:t>
+              <a:t>1/9/2025</a:t>
             </a:fld>
             <a:endParaRPr lang="en-US"/>
           </a:p>
@@ -3733,7 +3733,7 @@
           <a:p>
             <a:fld id="{CBEFF1D8-9801-4C4B-92F3-66C9A863BD74}" type="datetimeFigureOut">
               <a:rPr lang="en-US" dirty="0"/>
-              <a:t>1/5/2025</a:t>
+              <a:t>1/9/2025</a:t>
             </a:fld>
             <a:endParaRPr lang="en-US"/>
           </a:p>
@@ -3850,7 +3850,7 @@
           <a:p>
             <a:fld id="{961FE8FD-B23E-4E1A-83EF-0847EBEA0105}" type="datetimeFigureOut">
               <a:rPr lang="en-US" dirty="0"/>
-              <a:t>1/5/2025</a:t>
+              <a:t>1/9/2025</a:t>
             </a:fld>
             <a:endParaRPr lang="en-US"/>
           </a:p>
@@ -4171,7 +4171,7 @@
           <a:p>
             <a:fld id="{8DDF891E-A7C2-465C-AD39-8EDCB0F58E3C}" type="datetimeFigureOut">
               <a:rPr lang="en-US" dirty="0"/>
-              <a:t>1/5/2025</a:t>
+              <a:t>1/9/2025</a:t>
             </a:fld>
             <a:endParaRPr lang="en-US"/>
           </a:p>
@@ -4465,7 +4465,7 @@
           <a:p>
             <a:fld id="{F39F93E5-AFB6-485C-8E3C-32F92A07875F}" type="datetimeFigureOut">
               <a:rPr lang="en-US" dirty="0"/>
-              <a:t>1/5/2025</a:t>
+              <a:t>1/9/2025</a:t>
             </a:fld>
             <a:endParaRPr lang="en-US"/>
           </a:p>
@@ -4708,7 +4708,7 @@
           <a:p>
             <a:fld id="{3A332BE1-279E-4118-9FE3-7952B079A510}" type="datetimeFigureOut">
               <a:rPr lang="en-US" dirty="0"/>
-              <a:t>1/5/2025</a:t>
+              <a:t>1/9/2025</a:t>
             </a:fld>
             <a:endParaRPr lang="en-US"/>
           </a:p>
@@ -5288,6 +5288,13 @@
   <p:clrMapOvr>
     <a:masterClrMapping/>
   </p:clrMapOvr>
+  <p:timing>
+    <p:tnLst>
+      <p:par>
+        <p:cTn id="1" dur="indefinite" restart="never" nodeType="tmRoot"/>
+      </p:par>
+    </p:tnLst>
+  </p:timing>
 </p:sld>
 </file>
 
@@ -5378,7 +5385,7 @@
           <a:lstStyle/>
           <a:p>
             <a:fld id="{BDF9F68E-C97A-4AAD-8766-D6D30181824F}" type="datetime1">
-              <a:t>2025. 01. 05.</a:t>
+              <a:t>2025. 01. 09.</a:t>
             </a:fld>
             <a:endParaRPr lang="en-US"/>
           </a:p>
@@ -5423,6 +5430,25 @@
   <p:clrMapOvr>
     <a:masterClrMapping/>
   </p:clrMapOvr>
+  <mc:AlternateContent xmlns:mc="http://schemas.openxmlformats.org/markup-compatibility/2006">
+    <mc:Choice xmlns:p14="http://schemas.microsoft.com/office/powerpoint/2010/main" Requires="p14">
+      <p:transition spd="med" p14:dur="700">
+        <p:fade/>
+      </p:transition>
+    </mc:Choice>
+    <mc:Fallback>
+      <p:transition spd="med">
+        <p:fade/>
+      </p:transition>
+    </mc:Fallback>
+  </mc:AlternateContent>
+  <p:timing>
+    <p:tnLst>
+      <p:par>
+        <p:cTn id="1" dur="indefinite" restart="never" nodeType="tmRoot"/>
+      </p:par>
+    </p:tnLst>
+  </p:timing>
 </p:sld>
 </file>
 
@@ -5622,7 +5648,7 @@
           <a:lstStyle/>
           <a:p>
             <a:fld id="{BDF9F68E-C97A-4AAD-8766-D6D30181824F}" type="datetime1">
-              <a:t>2025. 01. 05.</a:t>
+              <a:t>2025. 01. 09.</a:t>
             </a:fld>
             <a:endParaRPr lang="en-US"/>
           </a:p>
@@ -5823,6 +5849,25 @@
   <p:clrMapOvr>
     <a:masterClrMapping/>
   </p:clrMapOvr>
+  <mc:AlternateContent xmlns:mc="http://schemas.openxmlformats.org/markup-compatibility/2006">
+    <mc:Choice xmlns:p14="http://schemas.microsoft.com/office/powerpoint/2010/main" Requires="p14">
+      <p:transition spd="med" p14:dur="700">
+        <p:fade/>
+      </p:transition>
+    </mc:Choice>
+    <mc:Fallback>
+      <p:transition spd="med">
+        <p:fade/>
+      </p:transition>
+    </mc:Fallback>
+  </mc:AlternateContent>
+  <p:timing>
+    <p:tnLst>
+      <p:par>
+        <p:cTn id="1" dur="indefinite" restart="never" nodeType="tmRoot"/>
+      </p:par>
+    </p:tnLst>
+  </p:timing>
 </p:sld>
 </file>
 
@@ -5991,7 +6036,7 @@
           <a:lstStyle/>
           <a:p>
             <a:fld id="{BDF9F68E-C97A-4AAD-8766-D6D30181824F}" type="datetime1">
-              <a:t>2025. 01. 05.</a:t>
+              <a:t>2025. 01. 09.</a:t>
             </a:fld>
             <a:endParaRPr lang="en-US"/>
           </a:p>
@@ -6360,6 +6405,25 @@
   <p:clrMapOvr>
     <a:masterClrMapping/>
   </p:clrMapOvr>
+  <mc:AlternateContent xmlns:mc="http://schemas.openxmlformats.org/markup-compatibility/2006">
+    <mc:Choice xmlns:p14="http://schemas.microsoft.com/office/powerpoint/2010/main" Requires="p14">
+      <p:transition spd="med" p14:dur="700">
+        <p:fade/>
+      </p:transition>
+    </mc:Choice>
+    <mc:Fallback>
+      <p:transition spd="med">
+        <p:fade/>
+      </p:transition>
+    </mc:Fallback>
+  </mc:AlternateContent>
+  <p:timing>
+    <p:tnLst>
+      <p:par>
+        <p:cTn id="1" dur="indefinite" restart="never" nodeType="tmRoot"/>
+      </p:par>
+    </p:tnLst>
+  </p:timing>
 </p:sld>
 </file>
 
@@ -6526,7 +6590,7 @@
           <a:lstStyle/>
           <a:p>
             <a:fld id="{BDF9F68E-C97A-4AAD-8766-D6D30181824F}" type="datetime1">
-              <a:t>2025. 01. 05.</a:t>
+              <a:t>2025. 01. 09.</a:t>
             </a:fld>
             <a:endParaRPr lang="en-US"/>
           </a:p>
@@ -6895,6 +6959,25 @@
   <p:clrMapOvr>
     <a:masterClrMapping/>
   </p:clrMapOvr>
+  <mc:AlternateContent xmlns:mc="http://schemas.openxmlformats.org/markup-compatibility/2006">
+    <mc:Choice xmlns:p14="http://schemas.microsoft.com/office/powerpoint/2010/main" Requires="p14">
+      <p:transition spd="med" p14:dur="700">
+        <p:fade/>
+      </p:transition>
+    </mc:Choice>
+    <mc:Fallback>
+      <p:transition spd="med">
+        <p:fade/>
+      </p:transition>
+    </mc:Fallback>
+  </mc:AlternateContent>
+  <p:timing>
+    <p:tnLst>
+      <p:par>
+        <p:cTn id="1" dur="indefinite" restart="never" nodeType="tmRoot"/>
+      </p:par>
+    </p:tnLst>
+  </p:timing>
 </p:sld>
 </file>
 
@@ -7055,7 +7138,7 @@
           <a:lstStyle/>
           <a:p>
             <a:fld id="{BDF9F68E-C97A-4AAD-8766-D6D30181824F}" type="datetime1">
-              <a:t>2025. 01. 05.</a:t>
+              <a:t>2025. 01. 09.</a:t>
             </a:fld>
             <a:endParaRPr lang="en-US"/>
           </a:p>
@@ -7256,6 +7339,25 @@
   <p:clrMapOvr>
     <a:masterClrMapping/>
   </p:clrMapOvr>
+  <mc:AlternateContent xmlns:mc="http://schemas.openxmlformats.org/markup-compatibility/2006">
+    <mc:Choice xmlns:p14="http://schemas.microsoft.com/office/powerpoint/2010/main" Requires="p14">
+      <p:transition spd="med" p14:dur="700">
+        <p:fade/>
+      </p:transition>
+    </mc:Choice>
+    <mc:Fallback>
+      <p:transition spd="med">
+        <p:fade/>
+      </p:transition>
+    </mc:Fallback>
+  </mc:AlternateContent>
+  <p:timing>
+    <p:tnLst>
+      <p:par>
+        <p:cTn id="1" dur="indefinite" restart="never" nodeType="tmRoot"/>
+      </p:par>
+    </p:tnLst>
+  </p:timing>
 </p:sld>
 </file>
 
@@ -7341,12 +7443,12 @@
         <p:spPr>
           <a:xfrm>
             <a:off x="-670" y="683764"/>
-            <a:ext cx="11982432" cy="2406123"/>
+            <a:ext cx="8174252" cy="2907929"/>
           </a:xfrm>
         </p:spPr>
         <p:txBody>
           <a:bodyPr vert="horz" lIns="91440" tIns="45720" rIns="91440" bIns="45720" rtlCol="0" anchor="t">
-            <a:normAutofit fontScale="92500" lnSpcReduction="10000"/>
+            <a:normAutofit/>
           </a:bodyPr>
           <a:lstStyle/>
           <a:p>
@@ -7354,52 +7456,43 @@
               <a:buNone/>
             </a:pPr>
             <a:r>
-              <a:rPr lang="hu-HU" sz="1300">
-                <a:solidFill>
-                  <a:srgbClr val="9BE48D"/>
-                </a:solidFill>
-                <a:latin typeface="Consolas"/>
-              </a:rPr>
-              <a:t>Először az abszolút győztes kutyát számoljuk ki amit úgy teszünk meg hogy egy </a:t>
-            </a:r>
-            <a:r>
-              <a:rPr lang="hu-HU" sz="1300" err="1">
-                <a:solidFill>
-                  <a:srgbClr val="9BE48D"/>
-                </a:solidFill>
-                <a:latin typeface="Consolas"/>
-              </a:rPr>
-              <a:t>for</a:t>
-            </a:r>
-            <a:r>
-              <a:rPr lang="hu-HU" sz="1300">
-                <a:solidFill>
-                  <a:srgbClr val="9BE48D"/>
-                </a:solidFill>
-                <a:latin typeface="Consolas"/>
-              </a:rPr>
-              <a:t> ciklust </a:t>
-            </a:r>
-            <a:r>
-              <a:rPr lang="hu-HU" sz="1300" err="1">
-                <a:solidFill>
-                  <a:srgbClr val="9BE48D"/>
-                </a:solidFill>
-                <a:latin typeface="Consolas"/>
-              </a:rPr>
-              <a:t>használlunk</a:t>
-            </a:r>
-            <a:r>
-              <a:rPr lang="hu-HU" sz="1300">
-                <a:solidFill>
-                  <a:srgbClr val="9BE48D"/>
-                </a:solidFill>
-                <a:latin typeface="Consolas"/>
-              </a:rPr>
-              <a:t> aminek a </a:t>
-            </a:r>
-            <a:r>
-              <a:rPr lang="hu-HU" sz="1300" err="1">
+              <a:rPr lang="hu-HU" sz="1300" dirty="0" smtClean="0">
+                <a:solidFill>
+                  <a:srgbClr val="9BE48D"/>
+                </a:solidFill>
+                <a:latin typeface="Consolas"/>
+              </a:rPr>
+              <a:t>- </a:t>
+            </a:r>
+            <a:r>
+              <a:rPr lang="hu-HU" sz="1300" dirty="0" err="1">
+                <a:solidFill>
+                  <a:srgbClr val="9BE48D"/>
+                </a:solidFill>
+                <a:latin typeface="Consolas"/>
+              </a:rPr>
+              <a:t>F</a:t>
+            </a:r>
+            <a:r>
+              <a:rPr lang="hu-HU" sz="1300" dirty="0" err="1" smtClean="0">
+                <a:solidFill>
+                  <a:srgbClr val="9BE48D"/>
+                </a:solidFill>
+                <a:latin typeface="Consolas"/>
+              </a:rPr>
+              <a:t>or</a:t>
+            </a:r>
+            <a:r>
+              <a:rPr lang="hu-HU" sz="1300" dirty="0" smtClean="0">
+                <a:solidFill>
+                  <a:srgbClr val="9BE48D"/>
+                </a:solidFill>
+                <a:latin typeface="Consolas"/>
+              </a:rPr>
+              <a:t> ciklus(</a:t>
+            </a:r>
+            <a:r>
+              <a:rPr lang="hu-HU" sz="1300" dirty="0" err="1" smtClean="0">
                 <a:solidFill>
                   <a:srgbClr val="9BE48D"/>
                 </a:solidFill>
@@ -7408,52 +7501,61 @@
               <a:t>range</a:t>
             </a:r>
             <a:r>
-              <a:rPr lang="hu-HU" sz="1300">
-                <a:solidFill>
-                  <a:srgbClr val="9BE48D"/>
-                </a:solidFill>
-                <a:latin typeface="Consolas"/>
-              </a:rPr>
-              <a:t>-e a kategóriák száma. Minden v értéknél lefut egy </a:t>
-            </a:r>
-            <a:r>
-              <a:rPr lang="hu-HU" sz="1300" err="1">
-                <a:solidFill>
-                  <a:srgbClr val="9BE48D"/>
-                </a:solidFill>
-                <a:latin typeface="Consolas"/>
-              </a:rPr>
-              <a:t>while</a:t>
-            </a:r>
-            <a:r>
-              <a:rPr lang="hu-HU" sz="1300">
-                <a:solidFill>
-                  <a:srgbClr val="9BE48D"/>
-                </a:solidFill>
-                <a:latin typeface="Consolas"/>
-              </a:rPr>
-              <a:t> ciklus ami addig tart amíg a kutya1 változó nem lesz egyenlő a kategóriák számával (n). Minden ismétléskor a kutya1 változóhoz hozzáadjuk a főtömb i-</a:t>
-            </a:r>
-            <a:r>
-              <a:rPr lang="hu-HU" sz="1300" err="1">
-                <a:solidFill>
-                  <a:srgbClr val="9BE48D"/>
-                </a:solidFill>
-                <a:latin typeface="Consolas"/>
-              </a:rPr>
-              <a:t>edik</a:t>
-            </a:r>
-            <a:r>
-              <a:rPr lang="hu-HU" sz="1300">
-                <a:solidFill>
-                  <a:srgbClr val="9BE48D"/>
-                </a:solidFill>
-                <a:latin typeface="Consolas"/>
-              </a:rPr>
-              <a:t> elemét, az i-</a:t>
-            </a:r>
-            <a:r>
-              <a:rPr lang="hu-HU" sz="1300" err="1">
+              <a:rPr lang="hu-HU" sz="1300" dirty="0" smtClean="0">
+                <a:solidFill>
+                  <a:srgbClr val="9BE48D"/>
+                </a:solidFill>
+                <a:latin typeface="Consolas"/>
+              </a:rPr>
+              <a:t>: m):</a:t>
+            </a:r>
+            <a:r>
+              <a:rPr lang="hu-HU" sz="1300" dirty="0" smtClean="0">
+                <a:solidFill>
+                  <a:srgbClr val="9BE48D"/>
+                </a:solidFill>
+                <a:latin typeface="Consolas"/>
+              </a:rPr>
+              <a:t> addig a </a:t>
+            </a:r>
+            <a:r>
+              <a:rPr lang="hu-HU" sz="1300" dirty="0" err="1" smtClean="0">
+                <a:solidFill>
+                  <a:srgbClr val="9BE48D"/>
+                </a:solidFill>
+                <a:latin typeface="Consolas"/>
+              </a:rPr>
+              <a:t>lepes</a:t>
+            </a:r>
+            <a:r>
+              <a:rPr lang="hu-HU" sz="1300" dirty="0" smtClean="0">
+                <a:solidFill>
+                  <a:srgbClr val="9BE48D"/>
+                </a:solidFill>
+                <a:latin typeface="Consolas"/>
+              </a:rPr>
+              <a:t> nem egyenlő n, kutya1-hez hozzáadunk </a:t>
+            </a:r>
+            <a:r>
+              <a:rPr lang="hu-HU" sz="1300" dirty="0" err="1" smtClean="0">
+                <a:solidFill>
+                  <a:srgbClr val="9BE48D"/>
+                </a:solidFill>
+                <a:latin typeface="Consolas"/>
+              </a:rPr>
+              <a:t>tomb</a:t>
+            </a:r>
+            <a:r>
+              <a:rPr lang="hu-HU" sz="1300" dirty="0" smtClean="0">
+                <a:solidFill>
+                  <a:srgbClr val="9BE48D"/>
+                </a:solidFill>
+                <a:latin typeface="Consolas"/>
+              </a:rPr>
+              <a:t>[i], i-</a:t>
+            </a:r>
+            <a:r>
+              <a:rPr lang="hu-HU" sz="1300" dirty="0" err="1" smtClean="0">
                 <a:solidFill>
                   <a:srgbClr val="9BE48D"/>
                 </a:solidFill>
@@ -7462,70 +7564,72 @@
               <a:t>hez</a:t>
             </a:r>
             <a:r>
-              <a:rPr lang="hu-HU" sz="1300">
-                <a:solidFill>
-                  <a:srgbClr val="9BE48D"/>
-                </a:solidFill>
-                <a:latin typeface="Consolas"/>
-              </a:rPr>
-              <a:t> hozzáadunk 1-et és a </a:t>
-            </a:r>
-            <a:r>
-              <a:rPr lang="hu-HU" sz="1300" err="1">
-                <a:solidFill>
-                  <a:srgbClr val="9BE48D"/>
-                </a:solidFill>
-                <a:latin typeface="Consolas"/>
-              </a:rPr>
-              <a:t>lepes</a:t>
-            </a:r>
-            <a:r>
-              <a:rPr lang="hu-HU" sz="1300">
-                <a:solidFill>
-                  <a:srgbClr val="9BE48D"/>
-                </a:solidFill>
-                <a:latin typeface="Consolas"/>
-              </a:rPr>
-              <a:t> változóhoz is. Utána a helyes megoldásunkat hozzáadjuk az f1tomb tömbhöz, lenullázzuk a kutya1 és a </a:t>
-            </a:r>
-            <a:r>
-              <a:rPr lang="hu-HU" sz="1300" err="1">
-                <a:solidFill>
-                  <a:srgbClr val="9BE48D"/>
-                </a:solidFill>
-                <a:latin typeface="Consolas"/>
-              </a:rPr>
-              <a:t>lepes</a:t>
-            </a:r>
-            <a:r>
-              <a:rPr lang="hu-HU" sz="1300">
-                <a:solidFill>
-                  <a:srgbClr val="9BE48D"/>
-                </a:solidFill>
-                <a:latin typeface="Consolas"/>
-              </a:rPr>
-              <a:t> változót (az i-t azért nem mert igy egy új kategóriát kezd el nézni). Ezután egy maximum kiválasztás tételével kiválasszuk a legnagyobb értékű kutyát. Ezután meg kell nézni hogy ez a kutya hány kategóriában nyert. Amit úgy teszünk meg hogy lefuttatunk egy </a:t>
-            </a:r>
-            <a:r>
-              <a:rPr lang="hu-HU" sz="1300" err="1">
-                <a:solidFill>
-                  <a:srgbClr val="9BE48D"/>
-                </a:solidFill>
-                <a:latin typeface="Consolas"/>
-              </a:rPr>
-              <a:t>for</a:t>
-            </a:r>
-            <a:r>
-              <a:rPr lang="hu-HU" sz="1300">
-                <a:solidFill>
-                  <a:srgbClr val="9BE48D"/>
-                </a:solidFill>
-                <a:latin typeface="Consolas"/>
-              </a:rPr>
-              <a:t> ciklust n </a:t>
-            </a:r>
-            <a:r>
-              <a:rPr lang="hu-HU" sz="1300" err="1">
+              <a:rPr lang="hu-HU" sz="1300" dirty="0" smtClean="0">
+                <a:solidFill>
+                  <a:srgbClr val="9BE48D"/>
+                </a:solidFill>
+                <a:latin typeface="Consolas"/>
+              </a:rPr>
+              <a:t> és </a:t>
+            </a:r>
+            <a:r>
+              <a:rPr lang="hu-HU" sz="1300" dirty="0" err="1" smtClean="0">
+                <a:solidFill>
+                  <a:srgbClr val="9BE48D"/>
+                </a:solidFill>
+                <a:latin typeface="Consolas"/>
+              </a:rPr>
+              <a:t>lepes-hez</a:t>
+            </a:r>
+            <a:r>
+              <a:rPr lang="hu-HU" sz="1300" dirty="0" smtClean="0">
+                <a:solidFill>
+                  <a:srgbClr val="9BE48D"/>
+                </a:solidFill>
+                <a:latin typeface="Consolas"/>
+              </a:rPr>
+              <a:t> 1-et</a:t>
+            </a:r>
+          </a:p>
+          <a:p>
+            <a:pPr>
+              <a:buNone/>
+            </a:pPr>
+            <a:r>
+              <a:rPr lang="hu-HU" sz="1300" dirty="0" smtClean="0">
+                <a:solidFill>
+                  <a:srgbClr val="9BE48D"/>
+                </a:solidFill>
+                <a:latin typeface="Consolas"/>
+              </a:rPr>
+              <a:t>- maximum kiválasztás tétele</a:t>
+            </a:r>
+          </a:p>
+          <a:p>
+            <a:pPr>
+              <a:buFontTx/>
+              <a:buChar char="-"/>
+            </a:pPr>
+            <a:r>
+              <a:rPr lang="hu-HU" sz="1300" dirty="0" err="1" smtClean="0">
+                <a:solidFill>
+                  <a:srgbClr val="9BE48D"/>
+                </a:solidFill>
+                <a:latin typeface="Consolas"/>
+              </a:rPr>
+              <a:t>For</a:t>
+            </a:r>
+            <a:r>
+              <a:rPr lang="hu-HU" sz="1300" dirty="0" smtClean="0">
+                <a:solidFill>
+                  <a:srgbClr val="9BE48D"/>
+                </a:solidFill>
+                <a:latin typeface="Consolas"/>
+              </a:rPr>
+              <a:t> ciklus (</a:t>
+            </a:r>
+            <a:r>
+              <a:rPr lang="hu-HU" sz="1300" dirty="0" err="1" smtClean="0">
                 <a:solidFill>
                   <a:srgbClr val="9BE48D"/>
                 </a:solidFill>
@@ -7534,139 +7638,176 @@
               <a:t>range</a:t>
             </a:r>
             <a:r>
-              <a:rPr lang="hu-HU" sz="1300">
-                <a:solidFill>
-                  <a:srgbClr val="9BE48D"/>
-                </a:solidFill>
-                <a:latin typeface="Consolas"/>
-              </a:rPr>
-              <a:t>-el. Minden n-edik értéknél lenullázzuk a f1tomb tömböt, az i értékét beállítjuk a </a:t>
-            </a:r>
-            <a:r>
-              <a:rPr lang="hu-HU" sz="1300" err="1">
-                <a:solidFill>
-                  <a:srgbClr val="9BE48D"/>
-                </a:solidFill>
-                <a:latin typeface="Consolas"/>
-              </a:rPr>
-              <a:t>futas</a:t>
-            </a:r>
-            <a:r>
-              <a:rPr lang="hu-HU" sz="1300">
-                <a:solidFill>
-                  <a:srgbClr val="9BE48D"/>
-                </a:solidFill>
-                <a:latin typeface="Consolas"/>
-              </a:rPr>
-              <a:t> változóval egyenlőre és lefuttatunk egy </a:t>
-            </a:r>
-            <a:r>
-              <a:rPr lang="hu-HU" sz="1300" err="1">
-                <a:solidFill>
-                  <a:srgbClr val="9BE48D"/>
-                </a:solidFill>
-                <a:latin typeface="Consolas"/>
-              </a:rPr>
-              <a:t>while</a:t>
-            </a:r>
-            <a:r>
-              <a:rPr lang="hu-HU" sz="1300">
-                <a:solidFill>
-                  <a:srgbClr val="9BE48D"/>
-                </a:solidFill>
-                <a:latin typeface="Consolas"/>
-              </a:rPr>
-              <a:t> ciklust ami addig fut amíg az i kisebb a főtömb hosszával. Az f1tomb-hoz hozzáadjuk a tömb i-</a:t>
-            </a:r>
-            <a:r>
-              <a:rPr lang="hu-HU" sz="1300" err="1">
-                <a:solidFill>
-                  <a:srgbClr val="9BE48D"/>
-                </a:solidFill>
-                <a:latin typeface="Consolas"/>
-              </a:rPr>
-              <a:t>edik</a:t>
-            </a:r>
-            <a:r>
-              <a:rPr lang="hu-HU" sz="1300">
-                <a:solidFill>
-                  <a:srgbClr val="9BE48D"/>
-                </a:solidFill>
-                <a:latin typeface="Consolas"/>
-              </a:rPr>
-              <a:t> elemét és az i-</a:t>
-            </a:r>
-            <a:r>
-              <a:rPr lang="hu-HU" sz="1300" err="1">
-                <a:solidFill>
-                  <a:srgbClr val="9BE48D"/>
-                </a:solidFill>
-                <a:latin typeface="Consolas"/>
+              <a:rPr lang="hu-HU" sz="1300" dirty="0" smtClean="0">
+                <a:solidFill>
+                  <a:srgbClr val="9BE48D"/>
+                </a:solidFill>
+                <a:latin typeface="Consolas"/>
+              </a:rPr>
+              <a:t>: n) minden n értéknél f1tomb</a:t>
+            </a:r>
+            <a:r>
+              <a:rPr lang="hu-HU" sz="1300" dirty="0" smtClean="0">
+                <a:solidFill>
+                  <a:srgbClr val="9BE48D"/>
+                </a:solidFill>
+                <a:latin typeface="Consolas"/>
+                <a:sym typeface="Wingdings" panose="05000000000000000000" pitchFamily="2" charset="2"/>
+              </a:rPr>
+              <a:t>üresítés, i egyelő legyen a </a:t>
+            </a:r>
+            <a:r>
+              <a:rPr lang="hu-HU" sz="1300" dirty="0" err="1" smtClean="0">
+                <a:solidFill>
+                  <a:srgbClr val="9BE48D"/>
+                </a:solidFill>
+                <a:latin typeface="Consolas"/>
+                <a:sym typeface="Wingdings" panose="05000000000000000000" pitchFamily="2" charset="2"/>
+              </a:rPr>
+              <a:t>futas-al</a:t>
+            </a:r>
+            <a:r>
+              <a:rPr lang="hu-HU" sz="1300" dirty="0" smtClean="0">
+                <a:solidFill>
+                  <a:srgbClr val="9BE48D"/>
+                </a:solidFill>
+                <a:latin typeface="Consolas"/>
+                <a:sym typeface="Wingdings" panose="05000000000000000000" pitchFamily="2" charset="2"/>
+              </a:rPr>
+              <a:t>, addig amíg i az kisebb mint a tömb hossza addig az f1tomb vegyen fel </a:t>
+            </a:r>
+            <a:r>
+              <a:rPr lang="hu-HU" sz="1300" dirty="0" err="1" smtClean="0">
+                <a:solidFill>
+                  <a:srgbClr val="9BE48D"/>
+                </a:solidFill>
+                <a:latin typeface="Consolas"/>
+                <a:sym typeface="Wingdings" panose="05000000000000000000" pitchFamily="2" charset="2"/>
+              </a:rPr>
+              <a:t>tomb</a:t>
+            </a:r>
+            <a:r>
+              <a:rPr lang="hu-HU" sz="1300" dirty="0" smtClean="0">
+                <a:solidFill>
+                  <a:srgbClr val="9BE48D"/>
+                </a:solidFill>
+                <a:latin typeface="Consolas"/>
+                <a:sym typeface="Wingdings" panose="05000000000000000000" pitchFamily="2" charset="2"/>
+              </a:rPr>
+              <a:t> értékeit. I </a:t>
+            </a:r>
+            <a:r>
+              <a:rPr lang="hu-HU" sz="1300" dirty="0" err="1" smtClean="0">
+                <a:solidFill>
+                  <a:srgbClr val="9BE48D"/>
+                </a:solidFill>
+                <a:latin typeface="Consolas"/>
+                <a:sym typeface="Wingdings" panose="05000000000000000000" pitchFamily="2" charset="2"/>
               </a:rPr>
               <a:t>hez</a:t>
             </a:r>
             <a:r>
-              <a:rPr lang="hu-HU" sz="1300">
-                <a:solidFill>
-                  <a:srgbClr val="9BE48D"/>
-                </a:solidFill>
-                <a:latin typeface="Consolas"/>
-              </a:rPr>
-              <a:t> hozzáadunk egy n értéket (igy nézi a következő kategóriát). Asztán kiíratjuk az f1tomb-öt és a futáshoz hozzáadunk 1-et. Végül egy maximum kiválasztás tételét alkalmazunk az f1tomb-ön és az abszolút győztes kutya egyenlő az f1tömb legnagyobb elemével a </a:t>
-            </a:r>
-            <a:r>
-              <a:rPr lang="hu-HU" sz="1300" err="1">
-                <a:solidFill>
-                  <a:srgbClr val="9BE48D"/>
-                </a:solidFill>
-                <a:latin typeface="Consolas"/>
-              </a:rPr>
-              <a:t>gyozelem</a:t>
-            </a:r>
-            <a:r>
-              <a:rPr lang="hu-HU" sz="1300">
-                <a:solidFill>
-                  <a:srgbClr val="9BE48D"/>
-                </a:solidFill>
-                <a:latin typeface="Consolas"/>
-              </a:rPr>
-              <a:t> változóhoz hozzáadunk 1-et és kiíratjuk. Ezek után a </a:t>
-            </a:r>
-            <a:r>
-              <a:rPr lang="hu-HU" sz="1300" err="1">
-                <a:solidFill>
-                  <a:srgbClr val="9BE48D"/>
-                </a:solidFill>
-                <a:latin typeface="Consolas"/>
-              </a:rPr>
-              <a:t>menu</a:t>
-            </a:r>
-            <a:r>
-              <a:rPr lang="hu-HU" sz="1300">
-                <a:solidFill>
-                  <a:srgbClr val="9BE48D"/>
-                </a:solidFill>
-                <a:latin typeface="Consolas"/>
-              </a:rPr>
-              <a:t> </a:t>
-            </a:r>
-            <a:r>
-              <a:rPr lang="hu-HU" sz="1300" err="1">
-                <a:solidFill>
-                  <a:srgbClr val="9BE48D"/>
-                </a:solidFill>
-                <a:latin typeface="Consolas"/>
-              </a:rPr>
-              <a:t>válltozót</a:t>
-            </a:r>
-            <a:r>
-              <a:rPr lang="hu-HU" sz="1300">
-                <a:solidFill>
-                  <a:srgbClr val="9BE48D"/>
-                </a:solidFill>
-                <a:latin typeface="Consolas"/>
-              </a:rPr>
-              <a:t> visszaállítjuk 0-ra hogy visszakerüljünk a menübe.</a:t>
+              <a:rPr lang="hu-HU" sz="1300" dirty="0" smtClean="0">
+                <a:solidFill>
+                  <a:srgbClr val="9BE48D"/>
+                </a:solidFill>
+                <a:latin typeface="Consolas"/>
+                <a:sym typeface="Wingdings" panose="05000000000000000000" pitchFamily="2" charset="2"/>
+              </a:rPr>
+              <a:t> adjunk hozzá n-et. </a:t>
+            </a:r>
+          </a:p>
+          <a:p>
+            <a:pPr>
+              <a:buFontTx/>
+              <a:buChar char="-"/>
+            </a:pPr>
+            <a:r>
+              <a:rPr lang="hu-HU" sz="1300" dirty="0" smtClean="0">
+                <a:solidFill>
+                  <a:srgbClr val="9BE48D"/>
+                </a:solidFill>
+                <a:latin typeface="Consolas"/>
+                <a:sym typeface="Wingdings" panose="05000000000000000000" pitchFamily="2" charset="2"/>
+              </a:rPr>
+              <a:t>Maximum </a:t>
+            </a:r>
+            <a:r>
+              <a:rPr lang="hu-HU" sz="1300" dirty="0">
+                <a:solidFill>
+                  <a:srgbClr val="9BE48D"/>
+                </a:solidFill>
+                <a:latin typeface="Consolas"/>
+              </a:rPr>
+              <a:t>kiválasztás tétele</a:t>
+            </a:r>
+          </a:p>
+          <a:p>
+            <a:pPr marL="0" indent="0">
+              <a:buNone/>
+            </a:pPr>
+            <a:r>
+              <a:rPr lang="hu-HU" sz="1300" dirty="0" smtClean="0">
+                <a:solidFill>
+                  <a:srgbClr val="9BE48D"/>
+                </a:solidFill>
+                <a:latin typeface="Consolas"/>
+              </a:rPr>
+              <a:t>- Ha az f1tomb[</a:t>
+            </a:r>
+            <a:r>
+              <a:rPr lang="hu-HU" sz="1300" dirty="0" err="1" smtClean="0">
+                <a:solidFill>
+                  <a:srgbClr val="9BE48D"/>
+                </a:solidFill>
+                <a:latin typeface="Consolas"/>
+              </a:rPr>
+              <a:t>abszgyku</a:t>
+            </a:r>
+            <a:r>
+              <a:rPr lang="hu-HU" sz="1300" dirty="0" smtClean="0">
+                <a:solidFill>
+                  <a:srgbClr val="9BE48D"/>
+                </a:solidFill>
+                <a:latin typeface="Consolas"/>
+              </a:rPr>
+              <a:t>] </a:t>
+            </a:r>
+            <a:r>
+              <a:rPr lang="hu-HU" sz="1300" dirty="0" err="1" smtClean="0">
+                <a:solidFill>
+                  <a:srgbClr val="9BE48D"/>
+                </a:solidFill>
+                <a:latin typeface="Consolas"/>
+              </a:rPr>
+              <a:t>eggyenlő</a:t>
+            </a:r>
+            <a:r>
+              <a:rPr lang="hu-HU" sz="1300" dirty="0" smtClean="0">
+                <a:solidFill>
+                  <a:srgbClr val="9BE48D"/>
+                </a:solidFill>
+                <a:latin typeface="Consolas"/>
+              </a:rPr>
+              <a:t> az f1tömb legnagyobb elemével akkor a </a:t>
+            </a:r>
+            <a:r>
+              <a:rPr lang="hu-HU" sz="1300" dirty="0" err="1" smtClean="0">
+                <a:solidFill>
+                  <a:srgbClr val="9BE48D"/>
+                </a:solidFill>
+                <a:latin typeface="Consolas"/>
+              </a:rPr>
+              <a:t>gyozelem-hez</a:t>
+            </a:r>
+            <a:r>
+              <a:rPr lang="hu-HU" sz="1300" dirty="0" smtClean="0">
+                <a:solidFill>
+                  <a:srgbClr val="9BE48D"/>
+                </a:solidFill>
+                <a:latin typeface="Consolas"/>
+              </a:rPr>
+              <a:t> hozzáadunk 1-et. </a:t>
             </a:r>
           </a:p>
         </p:txBody>
@@ -7693,7 +7834,7 @@
           <a:lstStyle/>
           <a:p>
             <a:fld id="{BDF9F68E-C97A-4AAD-8766-D6D30181824F}" type="datetime1">
-              <a:t>2025. 01. 05.</a:t>
+              <a:t>2025. 01. 09.</a:t>
             </a:fld>
             <a:endParaRPr lang="en-US"/>
           </a:p>
@@ -7724,101 +7865,6 @@
               <a:rPr lang="en-US"/>
               <a:t>
               </a:t>
-            </a:r>
-          </a:p>
-        </p:txBody>
-      </p:sp>
-      <p:sp>
-        <p:nvSpPr>
-          <p:cNvPr id="10" name="Szövegdoboz 9">
-            <a:extLst>
-              <a:ext uri="{FF2B5EF4-FFF2-40B4-BE49-F238E27FC236}">
-                <a16:creationId xmlns:a16="http://schemas.microsoft.com/office/drawing/2014/main" id="{B6196C02-5CC0-AA18-55B9-B4162354E271}"/>
-              </a:ext>
-            </a:extLst>
-          </p:cNvPr>
-          <p:cNvSpPr txBox="1"/>
-          <p:nvPr/>
-        </p:nvSpPr>
-        <p:spPr>
-          <a:xfrm>
-            <a:off x="172701" y="2997105"/>
-            <a:ext cx="5270809" cy="369332"/>
-          </a:xfrm>
-          <a:prstGeom prst="rect">
-            <a:avLst/>
-          </a:prstGeom>
-          <a:noFill/>
-        </p:spPr>
-        <p:txBody>
-          <a:bodyPr rot="0" spcFirstLastPara="0" vertOverflow="overflow" horzOverflow="overflow" vert="horz" wrap="square" lIns="91440" tIns="45720" rIns="91440" bIns="45720" numCol="1" spcCol="0" rtlCol="0" fromWordArt="0" anchor="t" anchorCtr="0" forceAA="0" compatLnSpc="1">
-            <a:prstTxWarp prst="textNoShape">
-              <a:avLst/>
-            </a:prstTxWarp>
-            <a:spAutoFit/>
-          </a:bodyPr>
-          <a:lstStyle/>
-          <a:p>
-            <a:r>
-              <a:rPr lang="hu-HU" err="1">
-                <a:solidFill>
-                  <a:srgbClr val="9BE48D"/>
-                </a:solidFill>
-                <a:latin typeface="Consolas"/>
-              </a:rPr>
-              <a:t>Code</a:t>
-            </a:r>
-            <a:r>
-              <a:rPr lang="hu-HU">
-                <a:solidFill>
-                  <a:srgbClr val="9BE48D"/>
-                </a:solidFill>
-                <a:latin typeface="Consolas"/>
-              </a:rPr>
-              <a:t>: line 31-82 (sajnos ide nem fér ki)</a:t>
-            </a:r>
-          </a:p>
-        </p:txBody>
-      </p:sp>
-      <p:sp>
-        <p:nvSpPr>
-          <p:cNvPr id="11" name="Szövegdoboz 10">
-            <a:extLst>
-              <a:ext uri="{FF2B5EF4-FFF2-40B4-BE49-F238E27FC236}">
-                <a16:creationId xmlns:a16="http://schemas.microsoft.com/office/drawing/2014/main" id="{6F44AADB-B6B6-7998-7E58-281952887A64}"/>
-              </a:ext>
-            </a:extLst>
-          </p:cNvPr>
-          <p:cNvSpPr txBox="1"/>
-          <p:nvPr/>
-        </p:nvSpPr>
-        <p:spPr>
-          <a:xfrm>
-            <a:off x="7315629" y="2996389"/>
-            <a:ext cx="3114907" cy="369332"/>
-          </a:xfrm>
-          <a:prstGeom prst="rect">
-            <a:avLst/>
-          </a:prstGeom>
-          <a:noFill/>
-        </p:spPr>
-        <p:txBody>
-          <a:bodyPr rot="0" spcFirstLastPara="0" vertOverflow="overflow" horzOverflow="overflow" vert="horz" wrap="square" lIns="91440" tIns="45720" rIns="91440" bIns="45720" numCol="1" spcCol="0" rtlCol="0" fromWordArt="0" anchor="t" anchorCtr="0" forceAA="0" compatLnSpc="1">
-            <a:prstTxWarp prst="textNoShape">
-              <a:avLst/>
-            </a:prstTxWarp>
-            <a:spAutoFit/>
-          </a:bodyPr>
-          <a:lstStyle/>
-          <a:p>
-            <a:r>
-              <a:rPr lang="hu-HU">
-                <a:solidFill>
-                  <a:srgbClr val="9BE48D"/>
-                </a:solidFill>
-                <a:latin typeface="Consolas"/>
-              </a:rPr>
-              <a:t>Felhasználói felület:</a:t>
             </a:r>
           </a:p>
         </p:txBody>
@@ -7845,7 +7891,7 @@
         </p:blipFill>
         <p:spPr>
           <a:xfrm>
-            <a:off x="6737101" y="5557734"/>
+            <a:off x="0" y="5557389"/>
             <a:ext cx="5450097" cy="1300611"/>
           </a:xfrm>
           <a:prstGeom prst="rect">
@@ -7875,8 +7921,32 @@
         </p:blipFill>
         <p:spPr>
           <a:xfrm>
-            <a:off x="7312945" y="3428499"/>
+            <a:off x="3129" y="3631566"/>
             <a:ext cx="3762375" cy="1885950"/>
+          </a:xfrm>
+          <a:prstGeom prst="rect">
+            <a:avLst/>
+          </a:prstGeom>
+        </p:spPr>
+      </p:pic>
+      <p:pic>
+        <p:nvPicPr>
+          <p:cNvPr id="8" name="Kép 7"/>
+          <p:cNvPicPr>
+            <a:picLocks noChangeAspect="1"/>
+          </p:cNvPicPr>
+          <p:nvPr/>
+        </p:nvPicPr>
+        <p:blipFill>
+          <a:blip r:embed="rId4"/>
+          <a:stretch>
+            <a:fillRect/>
+          </a:stretch>
+        </p:blipFill>
+        <p:spPr>
+          <a:xfrm>
+            <a:off x="8173582" y="1"/>
+            <a:ext cx="4018418" cy="6858000"/>
           </a:xfrm>
           <a:prstGeom prst="rect">
             <a:avLst/>
@@ -7893,6 +7963,25 @@
   <p:clrMapOvr>
     <a:masterClrMapping/>
   </p:clrMapOvr>
+  <mc:AlternateContent xmlns:mc="http://schemas.openxmlformats.org/markup-compatibility/2006">
+    <mc:Choice xmlns:p14="http://schemas.microsoft.com/office/powerpoint/2010/main" Requires="p14">
+      <p:transition spd="med" p14:dur="700">
+        <p:fade/>
+      </p:transition>
+    </mc:Choice>
+    <mc:Fallback>
+      <p:transition spd="med">
+        <p:fade/>
+      </p:transition>
+    </mc:Fallback>
+  </mc:AlternateContent>
+  <p:timing>
+    <p:tnLst>
+      <p:par>
+        <p:cTn id="1" dur="indefinite" restart="never" nodeType="tmRoot"/>
+      </p:par>
+    </p:tnLst>
+  </p:timing>
 </p:sld>
 </file>
 
@@ -7978,12 +8067,12 @@
         <p:spPr>
           <a:xfrm>
             <a:off x="-670" y="860605"/>
-            <a:ext cx="11982432" cy="2126005"/>
+            <a:ext cx="7281364" cy="2126005"/>
           </a:xfrm>
         </p:spPr>
         <p:txBody>
           <a:bodyPr vert="horz" lIns="91440" tIns="45720" rIns="91440" bIns="45720" rtlCol="0" anchor="t">
-            <a:normAutofit fontScale="85000" lnSpcReduction="20000"/>
+            <a:normAutofit/>
           </a:bodyPr>
           <a:lstStyle/>
           <a:p>
@@ -7991,16 +8080,52 @@
               <a:buNone/>
             </a:pPr>
             <a:r>
-              <a:rPr lang="hu-HU" sz="1600">
-                <a:solidFill>
-                  <a:srgbClr val="9BE48D"/>
-                </a:solidFill>
-                <a:latin typeface="Consolas"/>
-              </a:rPr>
-              <a:t>Létrehozunk egy f1tomb tömböt és egy f1m változót ami –1-ről indul. Asztán elindítunk </a:t>
-            </a:r>
-            <a:r>
-              <a:rPr lang="hu-HU" sz="1600" err="1">
+              <a:rPr lang="hu-HU" sz="1600" dirty="0" smtClean="0">
+                <a:solidFill>
+                  <a:srgbClr val="9BE48D"/>
+                </a:solidFill>
+                <a:latin typeface="Consolas"/>
+              </a:rPr>
+              <a:t>- </a:t>
+            </a:r>
+            <a:r>
+              <a:rPr lang="hu-HU" sz="1600" dirty="0" err="1" smtClean="0">
+                <a:solidFill>
+                  <a:srgbClr val="9BE48D"/>
+                </a:solidFill>
+                <a:latin typeface="Consolas"/>
+              </a:rPr>
+              <a:t>For</a:t>
+            </a:r>
+            <a:r>
+              <a:rPr lang="hu-HU" sz="1600" dirty="0" smtClean="0">
+                <a:solidFill>
+                  <a:srgbClr val="9BE48D"/>
+                </a:solidFill>
+                <a:latin typeface="Consolas"/>
+              </a:rPr>
+              <a:t> ciklus (</a:t>
+            </a:r>
+            <a:r>
+              <a:rPr lang="hu-HU" sz="1600" dirty="0" err="1" smtClean="0">
+                <a:solidFill>
+                  <a:srgbClr val="9BE48D"/>
+                </a:solidFill>
+                <a:latin typeface="Consolas"/>
+              </a:rPr>
+              <a:t>range</a:t>
+            </a:r>
+            <a:r>
+              <a:rPr lang="hu-HU" sz="1600" dirty="0" smtClean="0">
+                <a:solidFill>
+                  <a:srgbClr val="9BE48D"/>
+                </a:solidFill>
+                <a:latin typeface="Consolas"/>
+              </a:rPr>
+              <a:t> n), minden n értéknél kutya1-t lenullázzuk, f2m-hez hozzáadunk 1-et, </a:t>
+            </a:r>
+            <a:r>
+              <a:rPr lang="hu-HU" sz="1600" dirty="0" err="1" smtClean="0">
                 <a:solidFill>
                   <a:srgbClr val="9BE48D"/>
                 </a:solidFill>
@@ -8009,16 +8134,16 @@
               <a:t>for</a:t>
             </a:r>
             <a:r>
-              <a:rPr lang="hu-HU" sz="1600">
-                <a:solidFill>
-                  <a:srgbClr val="9BE48D"/>
-                </a:solidFill>
-                <a:latin typeface="Consolas"/>
-              </a:rPr>
-              <a:t> ciklussal kezdjük aminek a </a:t>
-            </a:r>
-            <a:r>
-              <a:rPr lang="hu-HU" sz="1600" err="1">
+              <a:rPr lang="hu-HU" sz="1600" dirty="0" smtClean="0">
+                <a:solidFill>
+                  <a:srgbClr val="9BE48D"/>
+                </a:solidFill>
+                <a:latin typeface="Consolas"/>
+              </a:rPr>
+              <a:t> ciklus (</a:t>
+            </a:r>
+            <a:r>
+              <a:rPr lang="hu-HU" sz="1600" dirty="0" err="1" smtClean="0">
                 <a:solidFill>
                   <a:srgbClr val="9BE48D"/>
                 </a:solidFill>
@@ -8027,140 +8152,20 @@
               <a:t>range</a:t>
             </a:r>
             <a:r>
-              <a:rPr lang="hu-HU" sz="1600">
-                <a:solidFill>
-                  <a:srgbClr val="9BE48D"/>
-                </a:solidFill>
-                <a:latin typeface="Consolas"/>
-              </a:rPr>
-              <a:t>-e a kategóriák száma (n) lesz. A kutya1-et beállítjuk 0-ra (ez azt jelent hogy minden n értéknél lenullázzuk) és az f1m-hez hozzáadunk 1et (ezért kellet –1-re állítani hogy 0ról induljon) minden N értéknél lefut még egy </a:t>
-            </a:r>
-            <a:r>
-              <a:rPr lang="hu-HU" sz="1600" err="1">
-                <a:solidFill>
-                  <a:srgbClr val="9BE48D"/>
-                </a:solidFill>
-                <a:latin typeface="Consolas"/>
-              </a:rPr>
-              <a:t>for</a:t>
-            </a:r>
-            <a:r>
-              <a:rPr lang="hu-HU" sz="1600">
-                <a:solidFill>
-                  <a:srgbClr val="9BE48D"/>
-                </a:solidFill>
-                <a:latin typeface="Consolas"/>
-              </a:rPr>
-              <a:t> ciklus ami f1m értékétől az alaptömb hosszóságáig megy n-</a:t>
-            </a:r>
-            <a:r>
-              <a:rPr lang="hu-HU" sz="1600" err="1">
-                <a:solidFill>
-                  <a:srgbClr val="9BE48D"/>
-                </a:solidFill>
-                <a:latin typeface="Consolas"/>
-              </a:rPr>
-              <a:t>esével</a:t>
-            </a:r>
-            <a:r>
-              <a:rPr lang="hu-HU" sz="1600">
-                <a:solidFill>
-                  <a:srgbClr val="9BE48D"/>
-                </a:solidFill>
-                <a:latin typeface="Consolas"/>
-              </a:rPr>
-              <a:t>. Ebben a második </a:t>
-            </a:r>
-            <a:r>
-              <a:rPr lang="hu-HU" sz="1600" err="1">
-                <a:solidFill>
-                  <a:srgbClr val="9BE48D"/>
-                </a:solidFill>
-                <a:latin typeface="Consolas"/>
-              </a:rPr>
-              <a:t>for</a:t>
-            </a:r>
-            <a:r>
-              <a:rPr lang="hu-HU" sz="1600">
-                <a:solidFill>
-                  <a:srgbClr val="9BE48D"/>
-                </a:solidFill>
-                <a:latin typeface="Consolas"/>
-              </a:rPr>
-              <a:t> ciklusban a kutya1-hez hozzáadjuk a tömb[i] elemét (i a ciklusváltozó). Asztán a kutya1 változót beállítjuk hogy a kutya1 változó legyen csak elosztva m-el és az egészet kerekítjük 2 tizedesjegyre. Asztán ezt belerakjuk a f1tomb tömbbe(ebbe vannak a feladat megoldásai). Ezután a megoldásokat egy </a:t>
-            </a:r>
-            <a:r>
-              <a:rPr lang="hu-HU" sz="1600" err="1">
-                <a:solidFill>
-                  <a:srgbClr val="9BE48D"/>
-                </a:solidFill>
-                <a:latin typeface="Consolas"/>
-              </a:rPr>
-              <a:t>while</a:t>
-            </a:r>
-            <a:r>
-              <a:rPr lang="hu-HU" sz="1600">
-                <a:solidFill>
-                  <a:srgbClr val="9BE48D"/>
-                </a:solidFill>
-                <a:latin typeface="Consolas"/>
-              </a:rPr>
-              <a:t> ciklussal íratjuk ki ami addig tart amíg a sorszam változó nem lesz egyenlő az n-el. Minden </a:t>
-            </a:r>
-            <a:r>
-              <a:rPr lang="hu-HU" sz="1600" err="1">
-                <a:solidFill>
-                  <a:srgbClr val="9BE48D"/>
-                </a:solidFill>
-                <a:latin typeface="Consolas"/>
-              </a:rPr>
-              <a:t>smétlödésnél</a:t>
-            </a:r>
-            <a:r>
-              <a:rPr lang="hu-HU" sz="1600">
-                <a:solidFill>
-                  <a:srgbClr val="9BE48D"/>
-                </a:solidFill>
-                <a:latin typeface="Consolas"/>
-              </a:rPr>
-              <a:t> </a:t>
-            </a:r>
-            <a:r>
-              <a:rPr lang="hu-HU" sz="1600" err="1">
-                <a:solidFill>
-                  <a:srgbClr val="9BE48D"/>
-                </a:solidFill>
-                <a:latin typeface="Consolas"/>
-              </a:rPr>
-              <a:t>kiirjuk</a:t>
-            </a:r>
-            <a:r>
-              <a:rPr lang="hu-HU" sz="1600">
-                <a:solidFill>
-                  <a:srgbClr val="9BE48D"/>
-                </a:solidFill>
-                <a:latin typeface="Consolas"/>
-              </a:rPr>
-              <a:t> a sorszák értékét és a f1tomb[sorszam] elemét. Asztán a </a:t>
-            </a:r>
-            <a:r>
-              <a:rPr lang="hu-HU" sz="1600" err="1">
-                <a:solidFill>
-                  <a:srgbClr val="9BE48D"/>
-                </a:solidFill>
-                <a:latin typeface="Consolas"/>
-              </a:rPr>
-              <a:t>menu</a:t>
-            </a:r>
-            <a:r>
-              <a:rPr lang="hu-HU" sz="1600">
-                <a:solidFill>
-                  <a:srgbClr val="9BE48D"/>
-                </a:solidFill>
-                <a:latin typeface="Consolas"/>
-              </a:rPr>
-              <a:t>-t visszaállítjuk 0-ra</a:t>
-            </a:r>
+              <a:rPr lang="hu-HU" sz="1600" dirty="0" smtClean="0">
+                <a:solidFill>
+                  <a:srgbClr val="9BE48D"/>
+                </a:solidFill>
+                <a:latin typeface="Consolas"/>
+              </a:rPr>
+              <a:t>: )</a:t>
+            </a:r>
+            <a:endParaRPr lang="hu-HU" sz="1600" dirty="0">
+              <a:solidFill>
+                <a:srgbClr val="9BE48D"/>
+              </a:solidFill>
+              <a:latin typeface="Consolas"/>
+            </a:endParaRPr>
           </a:p>
         </p:txBody>
       </p:sp>
@@ -8186,7 +8191,7 @@
           <a:lstStyle/>
           <a:p>
             <a:fld id="{BDF9F68E-C97A-4AAD-8766-D6D30181824F}" type="datetime1">
-              <a:t>2025. 01. 05.</a:t>
+              <a:t>2025. 01. 09.</a:t>
             </a:fld>
             <a:endParaRPr lang="en-US"/>
           </a:p>
@@ -8217,101 +8222,6 @@
               <a:rPr lang="en-US"/>
               <a:t>
               </a:t>
-            </a:r>
-          </a:p>
-        </p:txBody>
-      </p:sp>
-      <p:sp>
-        <p:nvSpPr>
-          <p:cNvPr id="10" name="Szövegdoboz 9">
-            <a:extLst>
-              <a:ext uri="{FF2B5EF4-FFF2-40B4-BE49-F238E27FC236}">
-                <a16:creationId xmlns:a16="http://schemas.microsoft.com/office/drawing/2014/main" id="{B6196C02-5CC0-AA18-55B9-B4162354E271}"/>
-              </a:ext>
-            </a:extLst>
-          </p:cNvPr>
-          <p:cNvSpPr txBox="1"/>
-          <p:nvPr/>
-        </p:nvSpPr>
-        <p:spPr>
-          <a:xfrm>
-            <a:off x="172701" y="2997105"/>
-            <a:ext cx="5270809" cy="369332"/>
-          </a:xfrm>
-          <a:prstGeom prst="rect">
-            <a:avLst/>
-          </a:prstGeom>
-          <a:noFill/>
-        </p:spPr>
-        <p:txBody>
-          <a:bodyPr rot="0" spcFirstLastPara="0" vertOverflow="overflow" horzOverflow="overflow" vert="horz" wrap="square" lIns="91440" tIns="45720" rIns="91440" bIns="45720" numCol="1" spcCol="0" rtlCol="0" fromWordArt="0" anchor="t" anchorCtr="0" forceAA="0" compatLnSpc="1">
-            <a:prstTxWarp prst="textNoShape">
-              <a:avLst/>
-            </a:prstTxWarp>
-            <a:spAutoFit/>
-          </a:bodyPr>
-          <a:lstStyle/>
-          <a:p>
-            <a:r>
-              <a:rPr lang="hu-HU" err="1">
-                <a:solidFill>
-                  <a:srgbClr val="9BE48D"/>
-                </a:solidFill>
-                <a:latin typeface="Consolas"/>
-              </a:rPr>
-              <a:t>Code</a:t>
-            </a:r>
-            <a:r>
-              <a:rPr lang="hu-HU">
-                <a:solidFill>
-                  <a:srgbClr val="9BE48D"/>
-                </a:solidFill>
-                <a:latin typeface="Consolas"/>
-              </a:rPr>
-              <a:t>:</a:t>
-            </a:r>
-          </a:p>
-        </p:txBody>
-      </p:sp>
-      <p:sp>
-        <p:nvSpPr>
-          <p:cNvPr id="11" name="Szövegdoboz 10">
-            <a:extLst>
-              <a:ext uri="{FF2B5EF4-FFF2-40B4-BE49-F238E27FC236}">
-                <a16:creationId xmlns:a16="http://schemas.microsoft.com/office/drawing/2014/main" id="{6F44AADB-B6B6-7998-7E58-281952887A64}"/>
-              </a:ext>
-            </a:extLst>
-          </p:cNvPr>
-          <p:cNvSpPr txBox="1"/>
-          <p:nvPr/>
-        </p:nvSpPr>
-        <p:spPr>
-          <a:xfrm>
-            <a:off x="7315629" y="2996389"/>
-            <a:ext cx="3114907" cy="369332"/>
-          </a:xfrm>
-          <a:prstGeom prst="rect">
-            <a:avLst/>
-          </a:prstGeom>
-          <a:noFill/>
-        </p:spPr>
-        <p:txBody>
-          <a:bodyPr rot="0" spcFirstLastPara="0" vertOverflow="overflow" horzOverflow="overflow" vert="horz" wrap="square" lIns="91440" tIns="45720" rIns="91440" bIns="45720" numCol="1" spcCol="0" rtlCol="0" fromWordArt="0" anchor="t" anchorCtr="0" forceAA="0" compatLnSpc="1">
-            <a:prstTxWarp prst="textNoShape">
-              <a:avLst/>
-            </a:prstTxWarp>
-            <a:spAutoFit/>
-          </a:bodyPr>
-          <a:lstStyle/>
-          <a:p>
-            <a:r>
-              <a:rPr lang="hu-HU">
-                <a:solidFill>
-                  <a:srgbClr val="9BE48D"/>
-                </a:solidFill>
-                <a:latin typeface="Consolas"/>
-              </a:rPr>
-              <a:t>Felhasználói felület:</a:t>
             </a:r>
           </a:p>
         </p:txBody>
@@ -8338,8 +8248,8 @@
         </p:blipFill>
         <p:spPr>
           <a:xfrm>
-            <a:off x="-1258" y="3363762"/>
-            <a:ext cx="3985045" cy="3494777"/>
+            <a:off x="7125419" y="2515848"/>
+            <a:ext cx="4951294" cy="4342152"/>
           </a:xfrm>
           <a:prstGeom prst="rect">
             <a:avLst/>
@@ -8368,7 +8278,7 @@
         </p:blipFill>
         <p:spPr>
           <a:xfrm>
-            <a:off x="7328589" y="5374616"/>
+            <a:off x="42209" y="5372100"/>
             <a:ext cx="4867275" cy="1485900"/>
           </a:xfrm>
           <a:prstGeom prst="rect">
@@ -8398,7 +8308,7 @@
         </p:blipFill>
         <p:spPr>
           <a:xfrm>
-            <a:off x="7311691" y="3368843"/>
+            <a:off x="42209" y="3888207"/>
             <a:ext cx="3975434" cy="1483893"/>
           </a:xfrm>
           <a:prstGeom prst="rect">
@@ -8416,6 +8326,25 @@
   <p:clrMapOvr>
     <a:masterClrMapping/>
   </p:clrMapOvr>
+  <mc:AlternateContent xmlns:mc="http://schemas.openxmlformats.org/markup-compatibility/2006">
+    <mc:Choice xmlns:p14="http://schemas.microsoft.com/office/powerpoint/2010/main" Requires="p14">
+      <p:transition spd="med" p14:dur="700">
+        <p:fade/>
+      </p:transition>
+    </mc:Choice>
+    <mc:Fallback>
+      <p:transition spd="med">
+        <p:fade/>
+      </p:transition>
+    </mc:Fallback>
+  </mc:AlternateContent>
+  <p:timing>
+    <p:tnLst>
+      <p:par>
+        <p:cTn id="1" dur="indefinite" restart="never" nodeType="tmRoot"/>
+      </p:par>
+    </p:tnLst>
+  </p:timing>
 </p:sld>
 </file>
 
@@ -8500,8 +8429,8 @@
         </p:nvSpPr>
         <p:spPr>
           <a:xfrm>
-            <a:off x="-670" y="860605"/>
-            <a:ext cx="11982432" cy="1867213"/>
+            <a:off x="-671" y="860605"/>
+            <a:ext cx="6742955" cy="1867213"/>
           </a:xfrm>
         </p:spPr>
         <p:txBody>
@@ -8514,16 +8443,16 @@
               <a:buNone/>
             </a:pPr>
             <a:r>
-              <a:rPr lang="hu-HU" sz="1600">
-                <a:solidFill>
-                  <a:srgbClr val="9BE48D"/>
-                </a:solidFill>
-                <a:latin typeface="Consolas"/>
-              </a:rPr>
-              <a:t>A feladat egy </a:t>
-            </a:r>
-            <a:r>
-              <a:rPr lang="hu-HU" sz="1600" err="1">
+              <a:rPr lang="hu-HU" sz="1600" dirty="0" smtClean="0">
+                <a:solidFill>
+                  <a:srgbClr val="9BE48D"/>
+                </a:solidFill>
+                <a:latin typeface="Consolas"/>
+              </a:rPr>
+              <a:t>- </a:t>
+            </a:r>
+            <a:r>
+              <a:rPr lang="hu-HU" sz="1600" dirty="0" err="1" smtClean="0">
                 <a:solidFill>
                   <a:srgbClr val="9BE48D"/>
                 </a:solidFill>
@@ -8532,121 +8461,49 @@
               <a:t>for</a:t>
             </a:r>
             <a:r>
-              <a:rPr lang="hu-HU" sz="1600">
-                <a:solidFill>
-                  <a:srgbClr val="9BE48D"/>
-                </a:solidFill>
-                <a:latin typeface="Consolas"/>
-              </a:rPr>
-              <a:t> ciklussal működik aminek a </a:t>
-            </a:r>
-            <a:r>
-              <a:rPr lang="hu-HU" sz="1600" err="1">
-                <a:solidFill>
-                  <a:srgbClr val="9BE48D"/>
-                </a:solidFill>
-                <a:latin typeface="Consolas"/>
-              </a:rPr>
-              <a:t>range</a:t>
-            </a:r>
-            <a:r>
-              <a:rPr lang="hu-HU" sz="1600">
-                <a:solidFill>
-                  <a:srgbClr val="9BE48D"/>
-                </a:solidFill>
-                <a:latin typeface="Consolas"/>
-              </a:rPr>
-              <a:t> </a:t>
-            </a:r>
-            <a:r>
-              <a:rPr lang="hu-HU" sz="1600" err="1">
-                <a:solidFill>
-                  <a:srgbClr val="9BE48D"/>
-                </a:solidFill>
-                <a:latin typeface="Consolas"/>
-              </a:rPr>
-              <a:t>n.</a:t>
-            </a:r>
-            <a:r>
-              <a:rPr lang="hu-HU" sz="1600">
-                <a:solidFill>
-                  <a:srgbClr val="9BE48D"/>
-                </a:solidFill>
-                <a:latin typeface="Consolas"/>
-              </a:rPr>
-              <a:t> minden i értéknél az i ciklusváltozóhoz hozzáadunk n-</a:t>
-            </a:r>
-            <a:r>
-              <a:rPr lang="hu-HU" sz="1600" err="1">
-                <a:solidFill>
-                  <a:srgbClr val="9BE48D"/>
-                </a:solidFill>
-                <a:latin typeface="Consolas"/>
-              </a:rPr>
-              <a:t>et</a:t>
-            </a:r>
-            <a:r>
-              <a:rPr lang="hu-HU" sz="1600">
-                <a:solidFill>
-                  <a:srgbClr val="9BE48D"/>
-                </a:solidFill>
-                <a:latin typeface="Consolas"/>
-              </a:rPr>
-              <a:t> és ha a </a:t>
-            </a:r>
-            <a:r>
-              <a:rPr lang="hu-HU" sz="1600" err="1">
-                <a:solidFill>
-                  <a:srgbClr val="9BE48D"/>
-                </a:solidFill>
-                <a:latin typeface="Consolas"/>
-              </a:rPr>
-              <a:t>tomb</a:t>
-            </a:r>
-            <a:r>
-              <a:rPr lang="hu-HU" sz="1600">
-                <a:solidFill>
-                  <a:srgbClr val="9BE48D"/>
-                </a:solidFill>
-                <a:latin typeface="Consolas"/>
-              </a:rPr>
-              <a:t>[i](szépség) nagyobb mint a </a:t>
-            </a:r>
-            <a:r>
-              <a:rPr lang="hu-HU" sz="1600" err="1">
-                <a:solidFill>
-                  <a:srgbClr val="9BE48D"/>
-                </a:solidFill>
-                <a:latin typeface="Consolas"/>
-              </a:rPr>
-              <a:t>tomb</a:t>
-            </a:r>
-            <a:r>
-              <a:rPr lang="hu-HU" sz="1600">
-                <a:solidFill>
-                  <a:srgbClr val="9BE48D"/>
-                </a:solidFill>
-                <a:latin typeface="Consolas"/>
-              </a:rPr>
-              <a:t>[i+1](okosság) akkor az f3m változó növekedjen 1-el. Az egésznek a végén pedig kiírjuk az f3m-et és a </a:t>
-            </a:r>
-            <a:r>
-              <a:rPr lang="hu-HU" sz="1600" err="1">
-                <a:solidFill>
-                  <a:srgbClr val="9BE48D"/>
-                </a:solidFill>
-                <a:latin typeface="Consolas"/>
-              </a:rPr>
-              <a:t>menu</a:t>
-            </a:r>
-            <a:r>
-              <a:rPr lang="hu-HU" sz="1600">
-                <a:solidFill>
-                  <a:srgbClr val="9BE48D"/>
-                </a:solidFill>
-                <a:latin typeface="Consolas"/>
-              </a:rPr>
-              <a:t> változót visszaállítjuk 0-ra.</a:t>
+              <a:rPr lang="hu-HU" sz="1600" dirty="0" smtClean="0">
+                <a:solidFill>
+                  <a:srgbClr val="9BE48D"/>
+                </a:solidFill>
+                <a:latin typeface="Consolas"/>
+              </a:rPr>
+              <a:t> ciklus, i-</a:t>
+            </a:r>
+            <a:r>
+              <a:rPr lang="hu-HU" sz="1600" dirty="0" err="1" smtClean="0">
+                <a:solidFill>
+                  <a:srgbClr val="9BE48D"/>
+                </a:solidFill>
+                <a:latin typeface="Consolas"/>
+              </a:rPr>
+              <a:t>hez</a:t>
+            </a:r>
+            <a:r>
+              <a:rPr lang="hu-HU" sz="1600" dirty="0" smtClean="0">
+                <a:solidFill>
+                  <a:srgbClr val="9BE48D"/>
+                </a:solidFill>
+                <a:latin typeface="Consolas"/>
+              </a:rPr>
+              <a:t> hozzáadunk n-et, ha a tömb i-</a:t>
+            </a:r>
+            <a:r>
+              <a:rPr lang="hu-HU" sz="1600" dirty="0" err="1" smtClean="0">
+                <a:solidFill>
+                  <a:srgbClr val="9BE48D"/>
+                </a:solidFill>
+                <a:latin typeface="Consolas"/>
+              </a:rPr>
+              <a:t>edik</a:t>
+            </a:r>
+            <a:r>
+              <a:rPr lang="hu-HU" sz="1600" dirty="0" smtClean="0">
+                <a:solidFill>
+                  <a:srgbClr val="9BE48D"/>
+                </a:solidFill>
+                <a:latin typeface="Consolas"/>
+              </a:rPr>
+              <a:t> eleménél nagyobb a i+1-edik eleme akkor az f3m-hez hozzáadunk 1-et, és a végén kinyomtatjuk</a:t>
             </a:r>
           </a:p>
         </p:txBody>
@@ -8673,7 +8530,7 @@
           <a:lstStyle/>
           <a:p>
             <a:fld id="{BDF9F68E-C97A-4AAD-8766-D6D30181824F}" type="datetime1">
-              <a:t>2025. 01. 05.</a:t>
+              <a:t>2025. 01. 09.</a:t>
             </a:fld>
             <a:endParaRPr lang="en-US"/>
           </a:p>
@@ -8708,107 +8565,12 @@
           </a:p>
         </p:txBody>
       </p:sp>
-      <p:sp>
-        <p:nvSpPr>
-          <p:cNvPr id="10" name="Szövegdoboz 9">
-            <a:extLst>
-              <a:ext uri="{FF2B5EF4-FFF2-40B4-BE49-F238E27FC236}">
-                <a16:creationId xmlns:a16="http://schemas.microsoft.com/office/drawing/2014/main" id="{B6196C02-5CC0-AA18-55B9-B4162354E271}"/>
-              </a:ext>
-            </a:extLst>
-          </p:cNvPr>
-          <p:cNvSpPr txBox="1"/>
-          <p:nvPr/>
-        </p:nvSpPr>
-        <p:spPr>
-          <a:xfrm>
-            <a:off x="172701" y="2997105"/>
-            <a:ext cx="5270809" cy="369332"/>
-          </a:xfrm>
-          <a:prstGeom prst="rect">
-            <a:avLst/>
-          </a:prstGeom>
-          <a:noFill/>
-        </p:spPr>
-        <p:txBody>
-          <a:bodyPr rot="0" spcFirstLastPara="0" vertOverflow="overflow" horzOverflow="overflow" vert="horz" wrap="square" lIns="91440" tIns="45720" rIns="91440" bIns="45720" numCol="1" spcCol="0" rtlCol="0" fromWordArt="0" anchor="t" anchorCtr="0" forceAA="0" compatLnSpc="1">
-            <a:prstTxWarp prst="textNoShape">
-              <a:avLst/>
-            </a:prstTxWarp>
-            <a:spAutoFit/>
-          </a:bodyPr>
-          <a:lstStyle/>
-          <a:p>
-            <a:r>
-              <a:rPr lang="hu-HU" err="1">
-                <a:solidFill>
-                  <a:srgbClr val="9BE48D"/>
-                </a:solidFill>
-                <a:latin typeface="Consolas"/>
-              </a:rPr>
-              <a:t>Code</a:t>
-            </a:r>
-            <a:r>
-              <a:rPr lang="hu-HU">
-                <a:solidFill>
-                  <a:srgbClr val="9BE48D"/>
-                </a:solidFill>
-                <a:latin typeface="Consolas"/>
-              </a:rPr>
-              <a:t>:</a:t>
-            </a:r>
-          </a:p>
-        </p:txBody>
-      </p:sp>
-      <p:sp>
-        <p:nvSpPr>
-          <p:cNvPr id="11" name="Szövegdoboz 10">
-            <a:extLst>
-              <a:ext uri="{FF2B5EF4-FFF2-40B4-BE49-F238E27FC236}">
-                <a16:creationId xmlns:a16="http://schemas.microsoft.com/office/drawing/2014/main" id="{6F44AADB-B6B6-7998-7E58-281952887A64}"/>
-              </a:ext>
-            </a:extLst>
-          </p:cNvPr>
-          <p:cNvSpPr txBox="1"/>
-          <p:nvPr/>
-        </p:nvSpPr>
-        <p:spPr>
-          <a:xfrm>
-            <a:off x="7315629" y="2996389"/>
-            <a:ext cx="3114907" cy="369332"/>
-          </a:xfrm>
-          <a:prstGeom prst="rect">
-            <a:avLst/>
-          </a:prstGeom>
-          <a:noFill/>
-        </p:spPr>
-        <p:txBody>
-          <a:bodyPr rot="0" spcFirstLastPara="0" vertOverflow="overflow" horzOverflow="overflow" vert="horz" wrap="square" lIns="91440" tIns="45720" rIns="91440" bIns="45720" numCol="1" spcCol="0" rtlCol="0" fromWordArt="0" anchor="t" anchorCtr="0" forceAA="0" compatLnSpc="1">
-            <a:prstTxWarp prst="textNoShape">
-              <a:avLst/>
-            </a:prstTxWarp>
-            <a:spAutoFit/>
-          </a:bodyPr>
-          <a:lstStyle/>
-          <a:p>
-            <a:r>
-              <a:rPr lang="hu-HU">
-                <a:solidFill>
-                  <a:srgbClr val="9BE48D"/>
-                </a:solidFill>
-                <a:latin typeface="Consolas"/>
-              </a:rPr>
-              <a:t>Felhasználói felület:</a:t>
-            </a:r>
-          </a:p>
-        </p:txBody>
-      </p:sp>
       <p:pic>
         <p:nvPicPr>
-          <p:cNvPr id="6" name="Kép 5" descr="A képen szöveg, képernyőkép, Betűtípus, szoftver látható&#10;&#10;Automatikusan generált leírás">
-            <a:extLst>
-              <a:ext uri="{FF2B5EF4-FFF2-40B4-BE49-F238E27FC236}">
-                <a16:creationId xmlns:a16="http://schemas.microsoft.com/office/drawing/2014/main" id="{B05632B4-5818-907D-8039-069AB5DD92D4}"/>
+          <p:cNvPr id="7" name="Kép 6" descr="A képen szöveg, képernyőkép, Betűtípus, sor látható&#10;&#10;Automatikusan generált leírás">
+            <a:extLst>
+              <a:ext uri="{FF2B5EF4-FFF2-40B4-BE49-F238E27FC236}">
+                <a16:creationId xmlns:a16="http://schemas.microsoft.com/office/drawing/2014/main" id="{E3DB6E12-1EDB-4979-409C-45E029D6F6FD}"/>
               </a:ext>
             </a:extLst>
           </p:cNvPr>
@@ -8825,8 +8587,8 @@
         </p:blipFill>
         <p:spPr>
           <a:xfrm>
-            <a:off x="3594" y="3343545"/>
-            <a:ext cx="5715000" cy="3305175"/>
+            <a:off x="-670" y="5659647"/>
+            <a:ext cx="5310098" cy="1198353"/>
           </a:xfrm>
           <a:prstGeom prst="rect">
             <a:avLst/>
@@ -8835,10 +8597,10 @@
       </p:pic>
       <p:pic>
         <p:nvPicPr>
-          <p:cNvPr id="7" name="Kép 6" descr="A képen szöveg, képernyőkép, Betűtípus, sor látható&#10;&#10;Automatikusan generált leírás">
-            <a:extLst>
-              <a:ext uri="{FF2B5EF4-FFF2-40B4-BE49-F238E27FC236}">
-                <a16:creationId xmlns:a16="http://schemas.microsoft.com/office/drawing/2014/main" id="{E3DB6E12-1EDB-4979-409C-45E029D6F6FD}"/>
+          <p:cNvPr id="8" name="Kép 7" descr="A képen szöveg, Betűtípus, képernyőkép, Acélkék látható&#10;&#10;Automatikusan generált leírás">
+            <a:extLst>
+              <a:ext uri="{FF2B5EF4-FFF2-40B4-BE49-F238E27FC236}">
+                <a16:creationId xmlns:a16="http://schemas.microsoft.com/office/drawing/2014/main" id="{BD84DDB0-82DA-4C6B-8B63-71BF3E742333}"/>
               </a:ext>
             </a:extLst>
           </p:cNvPr>
@@ -8855,8 +8617,8 @@
         </p:blipFill>
         <p:spPr>
           <a:xfrm>
-            <a:off x="6884329" y="5654974"/>
-            <a:ext cx="5310098" cy="1198353"/>
+            <a:off x="0" y="4857774"/>
+            <a:ext cx="3248025" cy="762000"/>
           </a:xfrm>
           <a:prstGeom prst="rect">
             <a:avLst/>
@@ -8865,13 +8627,7 @@
       </p:pic>
       <p:pic>
         <p:nvPicPr>
-          <p:cNvPr id="8" name="Kép 7" descr="A képen szöveg, Betűtípus, képernyőkép, Acélkék látható&#10;&#10;Automatikusan generált leírás">
-            <a:extLst>
-              <a:ext uri="{FF2B5EF4-FFF2-40B4-BE49-F238E27FC236}">
-                <a16:creationId xmlns:a16="http://schemas.microsoft.com/office/drawing/2014/main" id="{BD84DDB0-82DA-4C6B-8B63-71BF3E742333}"/>
-              </a:ext>
-            </a:extLst>
-          </p:cNvPr>
+          <p:cNvPr id="12" name="Kép 11"/>
           <p:cNvPicPr>
             <a:picLocks noChangeAspect="1"/>
           </p:cNvPicPr>
@@ -8885,8 +8641,8 @@
         </p:blipFill>
         <p:spPr>
           <a:xfrm>
-            <a:off x="7319462" y="3589421"/>
-            <a:ext cx="3248025" cy="762000"/>
+            <a:off x="6742285" y="3554083"/>
+            <a:ext cx="5305555" cy="3264044"/>
           </a:xfrm>
           <a:prstGeom prst="rect">
             <a:avLst/>
@@ -8903,6 +8659,25 @@
   <p:clrMapOvr>
     <a:masterClrMapping/>
   </p:clrMapOvr>
+  <mc:AlternateContent xmlns:mc="http://schemas.openxmlformats.org/markup-compatibility/2006">
+    <mc:Choice xmlns:p14="http://schemas.microsoft.com/office/powerpoint/2010/main" Requires="p14">
+      <p:transition spd="med" p14:dur="700">
+        <p:fade/>
+      </p:transition>
+    </mc:Choice>
+    <mc:Fallback>
+      <p:transition spd="med">
+        <p:fade/>
+      </p:transition>
+    </mc:Fallback>
+  </mc:AlternateContent>
+  <p:timing>
+    <p:tnLst>
+      <p:par>
+        <p:cTn id="1" dur="indefinite" restart="never" nodeType="tmRoot"/>
+      </p:par>
+    </p:tnLst>
+  </p:timing>
 </p:sld>
 </file>
 
@@ -8988,12 +8763,12 @@
         <p:spPr>
           <a:xfrm>
             <a:off x="-670" y="860605"/>
-            <a:ext cx="11982432" cy="1867213"/>
+            <a:ext cx="8609832" cy="1867213"/>
           </a:xfrm>
         </p:spPr>
         <p:txBody>
           <a:bodyPr vert="horz" lIns="91440" tIns="45720" rIns="91440" bIns="45720" rtlCol="0" anchor="t">
-            <a:normAutofit fontScale="92500" lnSpcReduction="10000"/>
+            <a:normAutofit/>
           </a:bodyPr>
           <a:lstStyle/>
           <a:p>
@@ -9001,122 +8776,20 @@
               <a:buNone/>
             </a:pPr>
             <a:r>
-              <a:rPr lang="hu-HU" sz="1600" dirty="0">
-                <a:solidFill>
-                  <a:srgbClr val="9BE48D"/>
-                </a:solidFill>
-                <a:latin typeface="Consolas"/>
-              </a:rPr>
-              <a:t>A megoldás az eredmény kiszámolásával kezdődik ami egy </a:t>
-            </a:r>
-            <a:r>
-              <a:rPr lang="hu-HU" sz="1600" dirty="0" err="1">
-                <a:solidFill>
-                  <a:srgbClr val="9BE48D"/>
-                </a:solidFill>
-                <a:latin typeface="Consolas"/>
-              </a:rPr>
-              <a:t>for</a:t>
-            </a:r>
-            <a:r>
-              <a:rPr lang="hu-HU" sz="1600" dirty="0">
-                <a:solidFill>
-                  <a:srgbClr val="9BE48D"/>
-                </a:solidFill>
-                <a:latin typeface="Consolas"/>
-              </a:rPr>
-              <a:t> ciklussal történik meg aminek a hossza </a:t>
-            </a:r>
-            <a:r>
-              <a:rPr lang="hu-HU" sz="1600" dirty="0" err="1">
-                <a:solidFill>
-                  <a:srgbClr val="9BE48D"/>
-                </a:solidFill>
-                <a:latin typeface="Consolas"/>
-              </a:rPr>
-              <a:t>n.</a:t>
-            </a:r>
-            <a:r>
-              <a:rPr lang="hu-HU" sz="1600" dirty="0">
-                <a:solidFill>
-                  <a:srgbClr val="9BE48D"/>
-                </a:solidFill>
-                <a:latin typeface="Consolas"/>
-              </a:rPr>
-              <a:t> minden n értéknél a kutya1 változót lenullázzuk és az f4m változóhoz hozzáadunk egyet. Emellett van még egy </a:t>
-            </a:r>
-            <a:r>
-              <a:rPr lang="hu-HU" sz="1600" dirty="0" err="1">
-                <a:solidFill>
-                  <a:srgbClr val="9BE48D"/>
-                </a:solidFill>
-                <a:latin typeface="Consolas"/>
-              </a:rPr>
-              <a:t>for</a:t>
-            </a:r>
-            <a:r>
-              <a:rPr lang="hu-HU" sz="1600" dirty="0">
-                <a:solidFill>
-                  <a:srgbClr val="9BE48D"/>
-                </a:solidFill>
-                <a:latin typeface="Consolas"/>
-              </a:rPr>
-              <a:t> ciklus ami az f4m-től a tömb hosszúságáig tart. Ebben a ciklusban minden értékkor a kutya1 változóhoz hozzáadjuk a </a:t>
-            </a:r>
-            <a:r>
-              <a:rPr lang="hu-HU" sz="1600" dirty="0" err="1">
-                <a:solidFill>
-                  <a:srgbClr val="9BE48D"/>
-                </a:solidFill>
-                <a:latin typeface="Consolas"/>
-              </a:rPr>
-              <a:t>tomb</a:t>
-            </a:r>
-            <a:r>
-              <a:rPr lang="hu-HU" sz="1600" dirty="0">
-                <a:solidFill>
-                  <a:srgbClr val="9BE48D"/>
-                </a:solidFill>
-                <a:latin typeface="Consolas"/>
-              </a:rPr>
-              <a:t>[i] elemét. És ezek után az f4tomb-höz hozzáadjuk a kutya1 változó értékét. A </a:t>
-            </a:r>
-            <a:r>
-              <a:rPr lang="hu-HU" sz="1600" dirty="0" err="1">
-                <a:solidFill>
-                  <a:srgbClr val="9BE48D"/>
-                </a:solidFill>
-                <a:latin typeface="Consolas"/>
-              </a:rPr>
-              <a:t>for</a:t>
-            </a:r>
-            <a:r>
-              <a:rPr lang="hu-HU" sz="1600" dirty="0">
-                <a:solidFill>
-                  <a:srgbClr val="9BE48D"/>
-                </a:solidFill>
-                <a:latin typeface="Consolas"/>
-              </a:rPr>
-              <a:t> ciklus után egy maximum kiválasztás tételét alkalmazunk az f4tomb-ön egy megszámlálás tételével megszámoljuk hány ilyen érték van. Ha több is van mint egy akkor igent írunk ki ha csak 1 van vagy nincs akkor nemet. És a végén a </a:t>
-            </a:r>
-            <a:r>
-              <a:rPr lang="hu-HU" sz="1600" dirty="0" err="1">
-                <a:solidFill>
-                  <a:srgbClr val="9BE48D"/>
-                </a:solidFill>
-                <a:latin typeface="Consolas"/>
-              </a:rPr>
-              <a:t>menu</a:t>
-            </a:r>
-            <a:r>
-              <a:rPr lang="hu-HU" sz="1600" dirty="0">
-                <a:solidFill>
-                  <a:srgbClr val="9BE48D"/>
-                </a:solidFill>
-                <a:latin typeface="Consolas"/>
-              </a:rPr>
-              <a:t>-t visszaállítjuk 0-ra.</a:t>
-            </a:r>
+              <a:rPr lang="hu-HU" sz="1600" dirty="0" err="1" smtClean="0">
+                <a:solidFill>
+                  <a:srgbClr val="9BE48D"/>
+                </a:solidFill>
+                <a:latin typeface="Consolas"/>
+              </a:rPr>
+              <a:t>asd</a:t>
+            </a:r>
+            <a:endParaRPr lang="hu-HU" sz="1600" dirty="0">
+              <a:solidFill>
+                <a:srgbClr val="9BE48D"/>
+              </a:solidFill>
+              <a:latin typeface="Consolas"/>
+            </a:endParaRPr>
           </a:p>
         </p:txBody>
       </p:sp>
@@ -9142,7 +8815,7 @@
           <a:lstStyle/>
           <a:p>
             <a:fld id="{BDF9F68E-C97A-4AAD-8766-D6D30181824F}" type="datetime1">
-              <a:t>2025. 01. 05.</a:t>
+              <a:t>2025. 01. 09.</a:t>
             </a:fld>
             <a:endParaRPr lang="en-US"/>
           </a:p>
@@ -9173,101 +8846,6 @@
               <a:rPr lang="en-US"/>
               <a:t>
               </a:t>
-            </a:r>
-          </a:p>
-        </p:txBody>
-      </p:sp>
-      <p:sp>
-        <p:nvSpPr>
-          <p:cNvPr id="10" name="Szövegdoboz 9">
-            <a:extLst>
-              <a:ext uri="{FF2B5EF4-FFF2-40B4-BE49-F238E27FC236}">
-                <a16:creationId xmlns:a16="http://schemas.microsoft.com/office/drawing/2014/main" id="{B6196C02-5CC0-AA18-55B9-B4162354E271}"/>
-              </a:ext>
-            </a:extLst>
-          </p:cNvPr>
-          <p:cNvSpPr txBox="1"/>
-          <p:nvPr/>
-        </p:nvSpPr>
-        <p:spPr>
-          <a:xfrm>
-            <a:off x="172701" y="2997105"/>
-            <a:ext cx="5472092" cy="369332"/>
-          </a:xfrm>
-          <a:prstGeom prst="rect">
-            <a:avLst/>
-          </a:prstGeom>
-          <a:noFill/>
-        </p:spPr>
-        <p:txBody>
-          <a:bodyPr rot="0" spcFirstLastPara="0" vertOverflow="overflow" horzOverflow="overflow" vert="horz" wrap="square" lIns="91440" tIns="45720" rIns="91440" bIns="45720" numCol="1" spcCol="0" rtlCol="0" fromWordArt="0" anchor="t" anchorCtr="0" forceAA="0" compatLnSpc="1">
-            <a:prstTxWarp prst="textNoShape">
-              <a:avLst/>
-            </a:prstTxWarp>
-            <a:spAutoFit/>
-          </a:bodyPr>
-          <a:lstStyle/>
-          <a:p>
-            <a:r>
-              <a:rPr lang="hu-HU" err="1">
-                <a:solidFill>
-                  <a:srgbClr val="9BE48D"/>
-                </a:solidFill>
-                <a:latin typeface="Consolas"/>
-              </a:rPr>
-              <a:t>Code</a:t>
-            </a:r>
-            <a:r>
-              <a:rPr lang="hu-HU">
-                <a:solidFill>
-                  <a:srgbClr val="9BE48D"/>
-                </a:solidFill>
-                <a:latin typeface="Consolas"/>
-              </a:rPr>
-              <a:t>: line 123-156 (sajnos ide nem fér ki)</a:t>
-            </a:r>
-          </a:p>
-        </p:txBody>
-      </p:sp>
-      <p:sp>
-        <p:nvSpPr>
-          <p:cNvPr id="11" name="Szövegdoboz 10">
-            <a:extLst>
-              <a:ext uri="{FF2B5EF4-FFF2-40B4-BE49-F238E27FC236}">
-                <a16:creationId xmlns:a16="http://schemas.microsoft.com/office/drawing/2014/main" id="{6F44AADB-B6B6-7998-7E58-281952887A64}"/>
-              </a:ext>
-            </a:extLst>
-          </p:cNvPr>
-          <p:cNvSpPr txBox="1"/>
-          <p:nvPr/>
-        </p:nvSpPr>
-        <p:spPr>
-          <a:xfrm>
-            <a:off x="7315629" y="2996389"/>
-            <a:ext cx="3114907" cy="369332"/>
-          </a:xfrm>
-          <a:prstGeom prst="rect">
-            <a:avLst/>
-          </a:prstGeom>
-          <a:noFill/>
-        </p:spPr>
-        <p:txBody>
-          <a:bodyPr rot="0" spcFirstLastPara="0" vertOverflow="overflow" horzOverflow="overflow" vert="horz" wrap="square" lIns="91440" tIns="45720" rIns="91440" bIns="45720" numCol="1" spcCol="0" rtlCol="0" fromWordArt="0" anchor="t" anchorCtr="0" forceAA="0" compatLnSpc="1">
-            <a:prstTxWarp prst="textNoShape">
-              <a:avLst/>
-            </a:prstTxWarp>
-            <a:spAutoFit/>
-          </a:bodyPr>
-          <a:lstStyle/>
-          <a:p>
-            <a:r>
-              <a:rPr lang="hu-HU">
-                <a:solidFill>
-                  <a:srgbClr val="9BE48D"/>
-                </a:solidFill>
-                <a:latin typeface="Consolas"/>
-              </a:rPr>
-              <a:t>Felhasználói felület:</a:t>
             </a:r>
           </a:p>
         </p:txBody>
@@ -9294,7 +8872,7 @@
         </p:blipFill>
         <p:spPr>
           <a:xfrm>
-            <a:off x="6213355" y="5711406"/>
+            <a:off x="-670" y="5715000"/>
             <a:ext cx="5976309" cy="1143000"/>
           </a:xfrm>
           <a:prstGeom prst="rect">
@@ -9324,8 +8902,32 @@
         </p:blipFill>
         <p:spPr>
           <a:xfrm>
-            <a:off x="7319712" y="3550570"/>
+            <a:off x="-670" y="4664744"/>
             <a:ext cx="3618497" cy="1050256"/>
+          </a:xfrm>
+          <a:prstGeom prst="rect">
+            <a:avLst/>
+          </a:prstGeom>
+        </p:spPr>
+      </p:pic>
+      <p:pic>
+        <p:nvPicPr>
+          <p:cNvPr id="7" name="Kép 6"/>
+          <p:cNvPicPr>
+            <a:picLocks noChangeAspect="1"/>
+          </p:cNvPicPr>
+          <p:nvPr/>
+        </p:nvPicPr>
+        <p:blipFill>
+          <a:blip r:embed="rId4"/>
+          <a:stretch>
+            <a:fillRect/>
+          </a:stretch>
+        </p:blipFill>
+        <p:spPr>
+          <a:xfrm>
+            <a:off x="8609162" y="-397"/>
+            <a:ext cx="3551095" cy="6818524"/>
           </a:xfrm>
           <a:prstGeom prst="rect">
             <a:avLst/>
@@ -9342,6 +8944,25 @@
   <p:clrMapOvr>
     <a:masterClrMapping/>
   </p:clrMapOvr>
+  <mc:AlternateContent xmlns:mc="http://schemas.openxmlformats.org/markup-compatibility/2006">
+    <mc:Choice xmlns:p14="http://schemas.microsoft.com/office/powerpoint/2010/main" Requires="p14">
+      <p:transition spd="med" p14:dur="700">
+        <p:fade/>
+      </p:transition>
+    </mc:Choice>
+    <mc:Fallback>
+      <p:transition spd="med">
+        <p:fade/>
+      </p:transition>
+    </mc:Fallback>
+  </mc:AlternateContent>
+  <p:timing>
+    <p:tnLst>
+      <p:par>
+        <p:cTn id="1" dur="indefinite" restart="never" nodeType="tmRoot"/>
+      </p:par>
+    </p:tnLst>
+  </p:timing>
 </p:sld>
 </file>
 
